--- a/imagesForReport.pptx
+++ b/imagesForReport.pptx
@@ -12,6 +12,8 @@
     <p:sldId id="261" r:id="rId6"/>
     <p:sldId id="260" r:id="rId7"/>
     <p:sldId id="262" r:id="rId8"/>
+    <p:sldId id="263" r:id="rId9"/>
+    <p:sldId id="264" r:id="rId10"/>
   </p:sldIdLst>
   <p:sldSz cx="12192000" cy="6858000"/>
   <p:notesSz cx="6858000" cy="9144000"/>
@@ -110,6 +112,11 @@
       </a:defRPr>
     </a:lvl9pPr>
   </p:defaultTextStyle>
+  <p:extLst>
+    <p:ext uri="{EFAFB233-063F-42B5-8137-9DF3F51BA10A}">
+      <p15:sldGuideLst xmlns:p15="http://schemas.microsoft.com/office/powerpoint/2012/main"/>
+    </p:ext>
+  </p:extLst>
 </p:presentation>
 </file>
 
@@ -262,7 +269,7 @@
           <a:p>
             <a:fld id="{A3ECA98D-C29D-4387-804A-F89555553C40}" type="datetimeFigureOut">
               <a:rPr lang="en-ZA" smtClean="0"/>
-              <a:t>2022/02/09</a:t>
+              <a:t>09 Feb 2022</a:t>
             </a:fld>
             <a:endParaRPr lang="en-ZA"/>
           </a:p>
@@ -462,7 +469,7 @@
           <a:p>
             <a:fld id="{A3ECA98D-C29D-4387-804A-F89555553C40}" type="datetimeFigureOut">
               <a:rPr lang="en-ZA" smtClean="0"/>
-              <a:t>2022/02/09</a:t>
+              <a:t>09 Feb 2022</a:t>
             </a:fld>
             <a:endParaRPr lang="en-ZA"/>
           </a:p>
@@ -672,7 +679,7 @@
           <a:p>
             <a:fld id="{A3ECA98D-C29D-4387-804A-F89555553C40}" type="datetimeFigureOut">
               <a:rPr lang="en-ZA" smtClean="0"/>
-              <a:t>2022/02/09</a:t>
+              <a:t>09 Feb 2022</a:t>
             </a:fld>
             <a:endParaRPr lang="en-ZA"/>
           </a:p>
@@ -872,7 +879,7 @@
           <a:p>
             <a:fld id="{A3ECA98D-C29D-4387-804A-F89555553C40}" type="datetimeFigureOut">
               <a:rPr lang="en-ZA" smtClean="0"/>
-              <a:t>2022/02/09</a:t>
+              <a:t>09 Feb 2022</a:t>
             </a:fld>
             <a:endParaRPr lang="en-ZA"/>
           </a:p>
@@ -1148,7 +1155,7 @@
           <a:p>
             <a:fld id="{A3ECA98D-C29D-4387-804A-F89555553C40}" type="datetimeFigureOut">
               <a:rPr lang="en-ZA" smtClean="0"/>
-              <a:t>2022/02/09</a:t>
+              <a:t>09 Feb 2022</a:t>
             </a:fld>
             <a:endParaRPr lang="en-ZA"/>
           </a:p>
@@ -1416,7 +1423,7 @@
           <a:p>
             <a:fld id="{A3ECA98D-C29D-4387-804A-F89555553C40}" type="datetimeFigureOut">
               <a:rPr lang="en-ZA" smtClean="0"/>
-              <a:t>2022/02/09</a:t>
+              <a:t>09 Feb 2022</a:t>
             </a:fld>
             <a:endParaRPr lang="en-ZA"/>
           </a:p>
@@ -1831,7 +1838,7 @@
           <a:p>
             <a:fld id="{A3ECA98D-C29D-4387-804A-F89555553C40}" type="datetimeFigureOut">
               <a:rPr lang="en-ZA" smtClean="0"/>
-              <a:t>2022/02/09</a:t>
+              <a:t>09 Feb 2022</a:t>
             </a:fld>
             <a:endParaRPr lang="en-ZA"/>
           </a:p>
@@ -1973,7 +1980,7 @@
           <a:p>
             <a:fld id="{A3ECA98D-C29D-4387-804A-F89555553C40}" type="datetimeFigureOut">
               <a:rPr lang="en-ZA" smtClean="0"/>
-              <a:t>2022/02/09</a:t>
+              <a:t>09 Feb 2022</a:t>
             </a:fld>
             <a:endParaRPr lang="en-ZA"/>
           </a:p>
@@ -2086,7 +2093,7 @@
           <a:p>
             <a:fld id="{A3ECA98D-C29D-4387-804A-F89555553C40}" type="datetimeFigureOut">
               <a:rPr lang="en-ZA" smtClean="0"/>
-              <a:t>2022/02/09</a:t>
+              <a:t>09 Feb 2022</a:t>
             </a:fld>
             <a:endParaRPr lang="en-ZA"/>
           </a:p>
@@ -2399,7 +2406,7 @@
           <a:p>
             <a:fld id="{A3ECA98D-C29D-4387-804A-F89555553C40}" type="datetimeFigureOut">
               <a:rPr lang="en-ZA" smtClean="0"/>
-              <a:t>2022/02/09</a:t>
+              <a:t>09 Feb 2022</a:t>
             </a:fld>
             <a:endParaRPr lang="en-ZA"/>
           </a:p>
@@ -2688,7 +2695,7 @@
           <a:p>
             <a:fld id="{A3ECA98D-C29D-4387-804A-F89555553C40}" type="datetimeFigureOut">
               <a:rPr lang="en-ZA" smtClean="0"/>
-              <a:t>2022/02/09</a:t>
+              <a:t>09 Feb 2022</a:t>
             </a:fld>
             <a:endParaRPr lang="en-ZA"/>
           </a:p>
@@ -2931,7 +2938,7 @@
           <a:p>
             <a:fld id="{A3ECA98D-C29D-4387-804A-F89555553C40}" type="datetimeFigureOut">
               <a:rPr lang="en-ZA" smtClean="0"/>
-              <a:t>2022/02/09</a:t>
+              <a:t>09 Feb 2022</a:t>
             </a:fld>
             <a:endParaRPr lang="en-ZA"/>
           </a:p>
@@ -3814,78 +3821,109 @@
           </a:p>
         </p:txBody>
       </p:sp>
-      <p:pic>
-        <p:nvPicPr>
-          <p:cNvPr id="8" name="Picture 7">
-            <a:extLst>
-              <a:ext uri="{FF2B5EF4-FFF2-40B4-BE49-F238E27FC236}">
-                <a16:creationId xmlns:a16="http://schemas.microsoft.com/office/drawing/2014/main" id="{E095379C-69A9-4D2D-BF5E-4AEF428C6916}"/>
-              </a:ext>
-            </a:extLst>
-          </p:cNvPr>
-          <p:cNvPicPr>
-            <a:picLocks noChangeAspect="1"/>
-          </p:cNvPicPr>
+      <p:grpSp>
+        <p:nvGrpSpPr>
+          <p:cNvPr id="3" name="Group 2">
+            <a:extLst>
+              <a:ext uri="{FF2B5EF4-FFF2-40B4-BE49-F238E27FC236}">
+                <a16:creationId xmlns:a16="http://schemas.microsoft.com/office/drawing/2014/main" id="{477A2C18-0DA1-4209-B3D1-A254F23BAC20}"/>
+              </a:ext>
+            </a:extLst>
+          </p:cNvPr>
+          <p:cNvGrpSpPr/>
           <p:nvPr/>
-        </p:nvPicPr>
-        <p:blipFill>
-          <a:blip r:embed="rId2">
-            <a:extLst>
-              <a:ext uri="{28A0092B-C50C-407E-A947-70E740481C1C}">
-                <a14:useLocalDpi xmlns:a14="http://schemas.microsoft.com/office/drawing/2010/main" val="0"/>
-              </a:ext>
-            </a:extLst>
-          </a:blip>
-          <a:stretch>
-            <a:fillRect/>
-          </a:stretch>
-        </p:blipFill>
-        <p:spPr>
-          <a:xfrm>
-            <a:off x="6096000" y="2173941"/>
-            <a:ext cx="5958541" cy="4468906"/>
-          </a:xfrm>
-          <a:prstGeom prst="rect">
-            <a:avLst/>
-          </a:prstGeom>
-        </p:spPr>
-      </p:pic>
-      <p:pic>
-        <p:nvPicPr>
-          <p:cNvPr id="10" name="Picture 9">
-            <a:extLst>
-              <a:ext uri="{FF2B5EF4-FFF2-40B4-BE49-F238E27FC236}">
-                <a16:creationId xmlns:a16="http://schemas.microsoft.com/office/drawing/2014/main" id="{B3F1611F-1C66-43A1-9E7D-554403954051}"/>
-              </a:ext>
-            </a:extLst>
-          </p:cNvPr>
-          <p:cNvPicPr>
-            <a:picLocks noChangeAspect="1"/>
-          </p:cNvPicPr>
-          <p:nvPr/>
-        </p:nvPicPr>
-        <p:blipFill>
-          <a:blip r:embed="rId3">
-            <a:extLst>
-              <a:ext uri="{28A0092B-C50C-407E-A947-70E740481C1C}">
-                <a14:useLocalDpi xmlns:a14="http://schemas.microsoft.com/office/drawing/2010/main" val="0"/>
-              </a:ext>
-            </a:extLst>
-          </a:blip>
-          <a:stretch>
-            <a:fillRect/>
-          </a:stretch>
-        </p:blipFill>
-        <p:spPr>
+        </p:nvGrpSpPr>
+        <p:grpSpPr>
           <a:xfrm>
             <a:off x="137459" y="2173941"/>
-            <a:ext cx="5958541" cy="4468906"/>
+            <a:ext cx="11917082" cy="4468906"/>
+            <a:chOff x="137459" y="2173941"/>
+            <a:chExt cx="11917082" cy="4468906"/>
           </a:xfrm>
-          <a:prstGeom prst="rect">
-            <a:avLst/>
-          </a:prstGeom>
-        </p:spPr>
-      </p:pic>
+        </p:grpSpPr>
+        <p:pic>
+          <p:nvPicPr>
+            <p:cNvPr id="8" name="Picture 7">
+              <a:extLst>
+                <a:ext uri="{FF2B5EF4-FFF2-40B4-BE49-F238E27FC236}">
+                  <a16:creationId xmlns:a16="http://schemas.microsoft.com/office/drawing/2014/main" id="{E095379C-69A9-4D2D-BF5E-4AEF428C6916}"/>
+                </a:ext>
+              </a:extLst>
+            </p:cNvPr>
+            <p:cNvPicPr>
+              <a:picLocks noChangeAspect="1"/>
+            </p:cNvPicPr>
+            <p:nvPr/>
+          </p:nvPicPr>
+          <p:blipFill>
+            <a:blip r:embed="rId2">
+              <a:extLst>
+                <a:ext uri="{28A0092B-C50C-407E-A947-70E740481C1C}">
+                  <a14:useLocalDpi xmlns:a14="http://schemas.microsoft.com/office/drawing/2010/main" val="0"/>
+                </a:ext>
+              </a:extLst>
+            </a:blip>
+            <a:stretch>
+              <a:fillRect/>
+            </a:stretch>
+          </p:blipFill>
+          <p:spPr>
+            <a:xfrm>
+              <a:off x="6096000" y="2173941"/>
+              <a:ext cx="5958541" cy="4468906"/>
+            </a:xfrm>
+            <a:prstGeom prst="rect">
+              <a:avLst/>
+            </a:prstGeom>
+            <a:ln>
+              <a:solidFill>
+                <a:schemeClr val="bg1"/>
+              </a:solidFill>
+            </a:ln>
+          </p:spPr>
+        </p:pic>
+        <p:pic>
+          <p:nvPicPr>
+            <p:cNvPr id="10" name="Picture 9">
+              <a:extLst>
+                <a:ext uri="{FF2B5EF4-FFF2-40B4-BE49-F238E27FC236}">
+                  <a16:creationId xmlns:a16="http://schemas.microsoft.com/office/drawing/2014/main" id="{B3F1611F-1C66-43A1-9E7D-554403954051}"/>
+                </a:ext>
+              </a:extLst>
+            </p:cNvPr>
+            <p:cNvPicPr>
+              <a:picLocks noChangeAspect="1"/>
+            </p:cNvPicPr>
+            <p:nvPr/>
+          </p:nvPicPr>
+          <p:blipFill>
+            <a:blip r:embed="rId3">
+              <a:extLst>
+                <a:ext uri="{28A0092B-C50C-407E-A947-70E740481C1C}">
+                  <a14:useLocalDpi xmlns:a14="http://schemas.microsoft.com/office/drawing/2010/main" val="0"/>
+                </a:ext>
+              </a:extLst>
+            </a:blip>
+            <a:stretch>
+              <a:fillRect/>
+            </a:stretch>
+          </p:blipFill>
+          <p:spPr>
+            <a:xfrm>
+              <a:off x="137459" y="2173941"/>
+              <a:ext cx="5958541" cy="4468906"/>
+            </a:xfrm>
+            <a:prstGeom prst="rect">
+              <a:avLst/>
+            </a:prstGeom>
+            <a:ln>
+              <a:solidFill>
+                <a:schemeClr val="bg1"/>
+              </a:solidFill>
+            </a:ln>
+          </p:spPr>
+        </p:pic>
+      </p:grpSp>
     </p:spTree>
     <p:extLst>
       <p:ext uri="{BB962C8B-B14F-4D97-AF65-F5344CB8AC3E}">
@@ -4144,6 +4182,176 @@
     <p:extLst>
       <p:ext uri="{BB962C8B-B14F-4D97-AF65-F5344CB8AC3E}">
         <p14:creationId xmlns:p14="http://schemas.microsoft.com/office/powerpoint/2010/main" val="1284314446"/>
+      </p:ext>
+    </p:extLst>
+  </p:cSld>
+  <p:clrMapOvr>
+    <a:masterClrMapping/>
+  </p:clrMapOvr>
+</p:sld>
+</file>
+
+<file path=ppt/slides/slide8.xml><?xml version="1.0" encoding="utf-8"?>
+<p:sld xmlns:a="http://schemas.openxmlformats.org/drawingml/2006/main" xmlns:r="http://schemas.openxmlformats.org/officeDocument/2006/relationships" xmlns:p="http://schemas.openxmlformats.org/presentationml/2006/main">
+  <p:cSld>
+    <p:spTree>
+      <p:nvGrpSpPr>
+        <p:cNvPr id="1" name=""/>
+        <p:cNvGrpSpPr/>
+        <p:nvPr/>
+      </p:nvGrpSpPr>
+      <p:grpSpPr>
+        <a:xfrm>
+          <a:off x="0" y="0"/>
+          <a:ext cx="0" cy="0"/>
+          <a:chOff x="0" y="0"/>
+          <a:chExt cx="0" cy="0"/>
+        </a:xfrm>
+      </p:grpSpPr>
+      <p:sp>
+        <p:nvSpPr>
+          <p:cNvPr id="2" name="Title 1">
+            <a:extLst>
+              <a:ext uri="{FF2B5EF4-FFF2-40B4-BE49-F238E27FC236}">
+                <a16:creationId xmlns:a16="http://schemas.microsoft.com/office/drawing/2014/main" id="{AA12A9EF-3B36-4390-8835-3EE765C7FAAA}"/>
+              </a:ext>
+            </a:extLst>
+          </p:cNvPr>
+          <p:cNvSpPr>
+            <a:spLocks noGrp="1"/>
+          </p:cNvSpPr>
+          <p:nvPr>
+            <p:ph type="title"/>
+          </p:nvPr>
+        </p:nvSpPr>
+        <p:spPr/>
+        <p:txBody>
+          <a:bodyPr/>
+          <a:lstStyle/>
+          <a:p>
+            <a:endParaRPr lang="en-US"/>
+          </a:p>
+        </p:txBody>
+      </p:sp>
+      <p:pic>
+        <p:nvPicPr>
+          <p:cNvPr id="4" name="Picture 3">
+            <a:extLst>
+              <a:ext uri="{FF2B5EF4-FFF2-40B4-BE49-F238E27FC236}">
+                <a16:creationId xmlns:a16="http://schemas.microsoft.com/office/drawing/2014/main" id="{FA23E49C-C5B2-4500-B80E-208622F0A8AA}"/>
+              </a:ext>
+            </a:extLst>
+          </p:cNvPr>
+          <p:cNvPicPr>
+            <a:picLocks noChangeAspect="1"/>
+          </p:cNvPicPr>
+          <p:nvPr/>
+        </p:nvPicPr>
+        <p:blipFill>
+          <a:blip r:embed="rId2"/>
+          <a:stretch>
+            <a:fillRect/>
+          </a:stretch>
+        </p:blipFill>
+        <p:spPr>
+          <a:xfrm>
+            <a:off x="2922270" y="2484120"/>
+            <a:ext cx="6347460" cy="1889760"/>
+          </a:xfrm>
+          <a:prstGeom prst="rect">
+            <a:avLst/>
+          </a:prstGeom>
+        </p:spPr>
+      </p:pic>
+    </p:spTree>
+    <p:extLst>
+      <p:ext uri="{BB962C8B-B14F-4D97-AF65-F5344CB8AC3E}">
+        <p14:creationId xmlns:p14="http://schemas.microsoft.com/office/powerpoint/2010/main" val="2989214426"/>
+      </p:ext>
+    </p:extLst>
+  </p:cSld>
+  <p:clrMapOvr>
+    <a:masterClrMapping/>
+  </p:clrMapOvr>
+</p:sld>
+</file>
+
+<file path=ppt/slides/slide9.xml><?xml version="1.0" encoding="utf-8"?>
+<p:sld xmlns:a="http://schemas.openxmlformats.org/drawingml/2006/main" xmlns:r="http://schemas.openxmlformats.org/officeDocument/2006/relationships" xmlns:p="http://schemas.openxmlformats.org/presentationml/2006/main">
+  <p:cSld>
+    <p:spTree>
+      <p:nvGrpSpPr>
+        <p:cNvPr id="1" name=""/>
+        <p:cNvGrpSpPr/>
+        <p:nvPr/>
+      </p:nvGrpSpPr>
+      <p:grpSpPr>
+        <a:xfrm>
+          <a:off x="0" y="0"/>
+          <a:ext cx="0" cy="0"/>
+          <a:chOff x="0" y="0"/>
+          <a:chExt cx="0" cy="0"/>
+        </a:xfrm>
+      </p:grpSpPr>
+      <p:sp>
+        <p:nvSpPr>
+          <p:cNvPr id="2" name="Title 1">
+            <a:extLst>
+              <a:ext uri="{FF2B5EF4-FFF2-40B4-BE49-F238E27FC236}">
+                <a16:creationId xmlns:a16="http://schemas.microsoft.com/office/drawing/2014/main" id="{1673D479-0B79-4121-A369-C69F86EDC67F}"/>
+              </a:ext>
+            </a:extLst>
+          </p:cNvPr>
+          <p:cNvSpPr>
+            <a:spLocks noGrp="1"/>
+          </p:cNvSpPr>
+          <p:nvPr>
+            <p:ph type="title"/>
+          </p:nvPr>
+        </p:nvSpPr>
+        <p:spPr/>
+        <p:txBody>
+          <a:bodyPr/>
+          <a:lstStyle/>
+          <a:p>
+            <a:endParaRPr lang="en-US"/>
+          </a:p>
+        </p:txBody>
+      </p:sp>
+      <p:pic>
+        <p:nvPicPr>
+          <p:cNvPr id="4" name="Picture 3">
+            <a:extLst>
+              <a:ext uri="{FF2B5EF4-FFF2-40B4-BE49-F238E27FC236}">
+                <a16:creationId xmlns:a16="http://schemas.microsoft.com/office/drawing/2014/main" id="{D5FFCB46-ABCE-44CE-8390-698F59409D2D}"/>
+              </a:ext>
+            </a:extLst>
+          </p:cNvPr>
+          <p:cNvPicPr>
+            <a:picLocks noChangeAspect="1"/>
+          </p:cNvPicPr>
+          <p:nvPr/>
+        </p:nvPicPr>
+        <p:blipFill>
+          <a:blip r:embed="rId2"/>
+          <a:stretch>
+            <a:fillRect/>
+          </a:stretch>
+        </p:blipFill>
+        <p:spPr>
+          <a:xfrm>
+            <a:off x="2266950" y="1798320"/>
+            <a:ext cx="7658100" cy="3261360"/>
+          </a:xfrm>
+          <a:prstGeom prst="rect">
+            <a:avLst/>
+          </a:prstGeom>
+        </p:spPr>
+      </p:pic>
+    </p:spTree>
+    <p:extLst>
+      <p:ext uri="{BB962C8B-B14F-4D97-AF65-F5344CB8AC3E}">
+        <p14:creationId xmlns:p14="http://schemas.microsoft.com/office/powerpoint/2010/main" val="4143796753"/>
       </p:ext>
     </p:extLst>
   </p:cSld>
